--- a/Whiteboard design session/WDS trainer presentation - Cloud-native applications.pptx
+++ b/Whiteboard design session/WDS trainer presentation - Cloud-native applications.pptx
@@ -187,7 +187,7 @@
             </a:lvl1pPr>
           </a:lstStyle>
           <a:p>
-            <a:endParaRPr lang="en-US"/>
+            <a:endParaRPr lang="en-US" dirty="0"/>
           </a:p>
         </p:txBody>
       </p:sp>
@@ -220,9 +220,9 @@
           <a:p>
             <a:fld id="{52A13B17-C506-4D51-BB37-16B365906619}" type="datetimeFigureOut">
               <a:rPr lang="en-US" smtClean="0"/>
-              <a:t>10/12/19</a:t>
+              <a:t>10/15/2019</a:t>
             </a:fld>
-            <a:endParaRPr lang="en-US"/>
+            <a:endParaRPr lang="en-US" dirty="0"/>
           </a:p>
         </p:txBody>
       </p:sp>
@@ -255,7 +255,7 @@
           <a:bodyPr vert="horz" lIns="91440" tIns="45720" rIns="91440" bIns="45720" rtlCol="0" anchor="ctr"/>
           <a:lstStyle/>
           <a:p>
-            <a:endParaRPr lang="en-US"/>
+            <a:endParaRPr lang="en-US" dirty="0"/>
           </a:p>
         </p:txBody>
       </p:sp>
@@ -345,7 +345,7 @@
             </a:lvl1pPr>
           </a:lstStyle>
           <a:p>
-            <a:endParaRPr lang="en-US"/>
+            <a:endParaRPr lang="en-US" dirty="0"/>
           </a:p>
         </p:txBody>
       </p:sp>
@@ -380,7 +380,7 @@
               <a:rPr lang="en-US" smtClean="0"/>
               <a:t>‹#›</a:t>
             </a:fld>
-            <a:endParaRPr lang="en-US"/>
+            <a:endParaRPr lang="en-US" dirty="0"/>
           </a:p>
         </p:txBody>
       </p:sp>
@@ -601,7 +601,7 @@
               </a:pPr>
               <a:t>1</a:t>
             </a:fld>
-            <a:endParaRPr kumimoji="0" lang="en-US" sz="1200" b="0" i="0" u="none" strike="noStrike" kern="1200" cap="none" spc="0" normalizeH="0" baseline="0" noProof="0">
+            <a:endParaRPr kumimoji="0" lang="en-US" sz="1200" b="0" i="0" u="none" strike="noStrike" kern="1200" cap="none" spc="0" normalizeH="0" baseline="0" noProof="0" dirty="0">
               <a:ln>
                 <a:noFill/>
               </a:ln>
@@ -706,7 +706,7 @@
               <a:rPr lang="en-US" smtClean="0"/>
               <a:t>10</a:t>
             </a:fld>
-            <a:endParaRPr lang="en-US"/>
+            <a:endParaRPr lang="en-US" dirty="0"/>
           </a:p>
         </p:txBody>
       </p:sp>
@@ -790,7 +790,7 @@
               <a:rPr lang="en-US" smtClean="0"/>
               <a:t>11</a:t>
             </a:fld>
-            <a:endParaRPr lang="en-US"/>
+            <a:endParaRPr lang="en-US" dirty="0"/>
           </a:p>
         </p:txBody>
       </p:sp>
@@ -851,7 +851,7 @@
           <a:bodyPr/>
           <a:lstStyle/>
           <a:p>
-            <a:endParaRPr lang="en-US"/>
+            <a:endParaRPr lang="en-US" dirty="0"/>
           </a:p>
         </p:txBody>
       </p:sp>
@@ -874,7 +874,7 @@
               <a:rPr lang="en-US" smtClean="0"/>
               <a:t>12</a:t>
             </a:fld>
-            <a:endParaRPr lang="en-US"/>
+            <a:endParaRPr lang="en-US" dirty="0"/>
           </a:p>
         </p:txBody>
       </p:sp>
@@ -935,7 +935,7 @@
           <a:bodyPr/>
           <a:lstStyle/>
           <a:p>
-            <a:endParaRPr lang="en-US"/>
+            <a:endParaRPr lang="en-US" dirty="0"/>
           </a:p>
         </p:txBody>
       </p:sp>
@@ -958,7 +958,7 @@
               <a:rPr lang="en-US" smtClean="0"/>
               <a:t>13</a:t>
             </a:fld>
-            <a:endParaRPr lang="en-US"/>
+            <a:endParaRPr lang="en-US" dirty="0"/>
           </a:p>
         </p:txBody>
       </p:sp>
@@ -1042,7 +1042,7 @@
               <a:rPr lang="en-US" smtClean="0"/>
               <a:t>14</a:t>
             </a:fld>
-            <a:endParaRPr lang="en-US"/>
+            <a:endParaRPr lang="en-US" dirty="0"/>
           </a:p>
         </p:txBody>
       </p:sp>
@@ -1126,7 +1126,7 @@
               <a:rPr lang="en-US" smtClean="0"/>
               <a:t>15</a:t>
             </a:fld>
-            <a:endParaRPr lang="en-US"/>
+            <a:endParaRPr lang="en-US" dirty="0"/>
           </a:p>
         </p:txBody>
       </p:sp>
@@ -1210,7 +1210,7 @@
               <a:rPr lang="en-US" smtClean="0"/>
               <a:t>16</a:t>
             </a:fld>
-            <a:endParaRPr lang="en-US"/>
+            <a:endParaRPr lang="en-US" dirty="0"/>
           </a:p>
         </p:txBody>
       </p:sp>
@@ -1340,7 +1340,7 @@
               <a:rPr lang="en-US" smtClean="0"/>
               <a:t>17</a:t>
             </a:fld>
-            <a:endParaRPr lang="en-US"/>
+            <a:endParaRPr lang="en-US" dirty="0"/>
           </a:p>
         </p:txBody>
       </p:sp>
@@ -1401,7 +1401,7 @@
           <a:bodyPr/>
           <a:lstStyle/>
           <a:p>
-            <a:endParaRPr lang="en-US"/>
+            <a:endParaRPr lang="en-US" dirty="0"/>
           </a:p>
         </p:txBody>
       </p:sp>
@@ -1424,7 +1424,7 @@
               <a:rPr lang="en-US" smtClean="0"/>
               <a:t>18</a:t>
             </a:fld>
-            <a:endParaRPr lang="en-US"/>
+            <a:endParaRPr lang="en-US" dirty="0"/>
           </a:p>
         </p:txBody>
       </p:sp>
@@ -1485,7 +1485,7 @@
           <a:bodyPr/>
           <a:lstStyle/>
           <a:p>
-            <a:endParaRPr lang="en-US"/>
+            <a:endParaRPr lang="en-US" dirty="0"/>
           </a:p>
         </p:txBody>
       </p:sp>
@@ -1508,7 +1508,7 @@
               <a:rPr lang="en-US" smtClean="0"/>
               <a:t>19</a:t>
             </a:fld>
-            <a:endParaRPr lang="en-US"/>
+            <a:endParaRPr lang="en-US" dirty="0"/>
           </a:p>
         </p:txBody>
       </p:sp>
@@ -1592,7 +1592,7 @@
               <a:rPr lang="en-US" smtClean="0"/>
               <a:t>2</a:t>
             </a:fld>
-            <a:endParaRPr lang="en-US"/>
+            <a:endParaRPr lang="en-US" dirty="0"/>
           </a:p>
         </p:txBody>
       </p:sp>
@@ -1757,7 +1757,7 @@
               <a:rPr lang="en-US" smtClean="0"/>
               <a:t>20</a:t>
             </a:fld>
-            <a:endParaRPr lang="en-US"/>
+            <a:endParaRPr lang="en-US" dirty="0"/>
           </a:p>
         </p:txBody>
       </p:sp>
@@ -1883,31 +1883,7 @@
                 <a:ea typeface="+mn-ea"/>
                 <a:cs typeface="+mn-cs"/>
               </a:rPr>
-              <a:t>The </a:t>
-            </a:r>
-            <a:r>
-              <a:rPr lang="en-US" sz="1200" kern="1200" dirty="0" err="1">
-                <a:solidFill>
-                  <a:schemeClr val="tx1"/>
-                </a:solidFill>
-                <a:effectLst/>
-                <a:latin typeface="+mn-lt"/>
-                <a:ea typeface="+mn-ea"/>
-                <a:cs typeface="+mn-cs"/>
-              </a:rPr>
-              <a:t>kubectl</a:t>
-            </a:r>
-            <a:r>
-              <a:rPr lang="en-US" sz="1200" kern="1200" dirty="0">
-                <a:solidFill>
-                  <a:schemeClr val="tx1"/>
-                </a:solidFill>
-                <a:effectLst/>
-                <a:latin typeface="+mn-lt"/>
-                <a:ea typeface="+mn-ea"/>
-                <a:cs typeface="+mn-cs"/>
-              </a:rPr>
-              <a:t> command line tool for engaging remote Kubernetes APIs and assisting with automation. </a:t>
+              <a:t>The kubectl command line tool for engaging remote Kubernetes APIs and assisting with automation. </a:t>
             </a:r>
           </a:p>
           <a:p>
@@ -1946,7 +1922,7 @@
               <a:rPr lang="en-US" smtClean="0"/>
               <a:t>21</a:t>
             </a:fld>
-            <a:endParaRPr lang="en-US"/>
+            <a:endParaRPr lang="en-US" dirty="0"/>
           </a:p>
         </p:txBody>
       </p:sp>
@@ -2030,7 +2006,7 @@
               <a:rPr lang="en-US" smtClean="0"/>
               <a:t>22</a:t>
             </a:fld>
-            <a:endParaRPr lang="en-US"/>
+            <a:endParaRPr lang="en-US" dirty="0"/>
           </a:p>
         </p:txBody>
       </p:sp>
@@ -2154,7 +2130,7 @@
                   <a:prstClr val="black"/>
                 </a:solidFill>
               </a:rPr>
-              <a:t>10/12/19 10:49 AM</a:t>
+              <a:t>10/15/2019 4:11 PM</a:t>
             </a:fld>
             <a:endParaRPr lang="en-US" dirty="0">
               <a:solidFill>
@@ -2213,7 +2189,7 @@
           <a:p>
             <a:pPr defTabSz="914099" eaLnBrk="0" hangingPunct="0"/>
             <a:r>
-              <a:rPr lang="en-US" sz="400">
+              <a:rPr lang="en-US" sz="400" dirty="0">
                 <a:gradFill>
                   <a:gsLst>
                     <a:gs pos="0">
@@ -2231,22 +2207,6 @@
               </a:rPr>
               <a:t>© Microsoft Corporation. All rights reserved. MICROSOFT MAKES NO WARRANTIES, EXPRESS, IMPLIED OR STATUTORY, AS TO THE INFORMATION IN THIS PRESENTATION.</a:t>
             </a:r>
-            <a:endParaRPr lang="en-US" sz="400" dirty="0">
-              <a:gradFill>
-                <a:gsLst>
-                  <a:gs pos="0">
-                    <a:prstClr val="black"/>
-                  </a:gs>
-                  <a:gs pos="100000">
-                    <a:prstClr val="black"/>
-                  </a:gs>
-                </a:gsLst>
-                <a:lin ang="5400000" scaled="0"/>
-              </a:gradFill>
-              <a:latin typeface="Segoe UI" pitchFamily="34" charset="0"/>
-              <a:ea typeface="Segoe UI" pitchFamily="34" charset="0"/>
-              <a:cs typeface="Segoe UI" pitchFamily="34" charset="0"/>
-            </a:endParaRPr>
           </a:p>
         </p:txBody>
       </p:sp>
@@ -2330,7 +2290,7 @@
               <a:rPr lang="en-US" smtClean="0"/>
               <a:t>3</a:t>
             </a:fld>
-            <a:endParaRPr lang="en-US"/>
+            <a:endParaRPr lang="en-US" dirty="0"/>
           </a:p>
         </p:txBody>
       </p:sp>
@@ -2391,7 +2351,7 @@
           <a:bodyPr/>
           <a:lstStyle/>
           <a:p>
-            <a:endParaRPr lang="en-US"/>
+            <a:endParaRPr lang="en-US" dirty="0"/>
           </a:p>
         </p:txBody>
       </p:sp>
@@ -2414,7 +2374,7 @@
               <a:rPr lang="en-US" smtClean="0"/>
               <a:t>4</a:t>
             </a:fld>
-            <a:endParaRPr lang="en-US"/>
+            <a:endParaRPr lang="en-US" dirty="0"/>
           </a:p>
         </p:txBody>
       </p:sp>
@@ -2475,7 +2435,7 @@
           <a:bodyPr/>
           <a:lstStyle/>
           <a:p>
-            <a:endParaRPr lang="en-US"/>
+            <a:endParaRPr lang="en-US" dirty="0"/>
           </a:p>
         </p:txBody>
       </p:sp>
@@ -2498,7 +2458,7 @@
               <a:rPr lang="en-US" smtClean="0"/>
               <a:t>5</a:t>
             </a:fld>
-            <a:endParaRPr lang="en-US"/>
+            <a:endParaRPr lang="en-US" dirty="0"/>
           </a:p>
         </p:txBody>
       </p:sp>
@@ -2559,7 +2519,7 @@
           <a:bodyPr/>
           <a:lstStyle/>
           <a:p>
-            <a:endParaRPr lang="en-US"/>
+            <a:endParaRPr lang="en-US" dirty="0"/>
           </a:p>
         </p:txBody>
       </p:sp>
@@ -2582,7 +2542,7 @@
               <a:rPr lang="en-US" smtClean="0"/>
               <a:t>6</a:t>
             </a:fld>
-            <a:endParaRPr lang="en-US"/>
+            <a:endParaRPr lang="en-US" dirty="0"/>
           </a:p>
         </p:txBody>
       </p:sp>
@@ -2666,7 +2626,7 @@
               <a:rPr lang="en-US" smtClean="0"/>
               <a:t>7</a:t>
             </a:fld>
-            <a:endParaRPr lang="en-US"/>
+            <a:endParaRPr lang="en-US" dirty="0"/>
           </a:p>
         </p:txBody>
       </p:sp>
@@ -2750,7 +2710,7 @@
               <a:rPr lang="en-US" smtClean="0"/>
               <a:t>8</a:t>
             </a:fld>
-            <a:endParaRPr lang="en-US"/>
+            <a:endParaRPr lang="en-US" dirty="0"/>
           </a:p>
         </p:txBody>
       </p:sp>
@@ -2834,7 +2794,7 @@
               <a:rPr lang="en-US" smtClean="0"/>
               <a:t>9</a:t>
             </a:fld>
-            <a:endParaRPr lang="en-US"/>
+            <a:endParaRPr lang="en-US" dirty="0"/>
           </a:p>
         </p:txBody>
       </p:sp>
@@ -2988,7 +2948,7 @@
           <a:lstStyle/>
           <a:p>
             <a:r>
-              <a:rPr>
+              <a:rPr dirty="0">
                 <a:gradFill>
                   <a:gsLst>
                     <a:gs pos="2239">
@@ -3038,7 +2998,7 @@
               <a:pPr/>
               <a:t>‹#›</a:t>
             </a:fld>
-            <a:endParaRPr>
+            <a:endParaRPr dirty="0">
               <a:gradFill>
                 <a:gsLst>
                   <a:gs pos="2239">
@@ -4748,7 +4708,7 @@
             </a:bodyPr>
             <a:lstStyle/>
             <a:p>
-              <a:endParaRPr lang="en-US" sz="1765"/>
+              <a:endParaRPr lang="en-US" sz="1765" dirty="0"/>
             </a:p>
           </p:txBody>
         </p:sp>
@@ -5961,7 +5921,7 @@
           </a:bodyPr>
           <a:lstStyle/>
           <a:p>
-            <a:endParaRPr lang="en-US"/>
+            <a:endParaRPr lang="en-US" dirty="0"/>
           </a:p>
         </p:txBody>
       </p:sp>
@@ -7370,7 +7330,7 @@
             </a:bodyPr>
             <a:lstStyle/>
             <a:p>
-              <a:endParaRPr lang="en-US" sz="1765"/>
+              <a:endParaRPr lang="en-US" sz="1765" dirty="0"/>
             </a:p>
           </p:txBody>
         </p:sp>
@@ -8866,7 +8826,7 @@
             </a:bodyPr>
             <a:lstStyle/>
             <a:p>
-              <a:endParaRPr lang="en-US" sz="1765"/>
+              <a:endParaRPr lang="en-US" sz="1765" dirty="0"/>
             </a:p>
           </p:txBody>
         </p:sp>
@@ -10245,10 +10205,9 @@
           </a:lstStyle>
           <a:p>
             <a:r>
-              <a:rPr lang="en-US"/>
+              <a:rPr lang="en-US" dirty="0"/>
               <a:t>Click icon to add picture</a:t>
             </a:r>
-            <a:endParaRPr lang="en-US" dirty="0"/>
           </a:p>
         </p:txBody>
       </p:sp>
@@ -12140,7 +12099,7 @@
             </a:bodyPr>
             <a:lstStyle/>
             <a:p>
-              <a:endParaRPr lang="en-US" sz="1765"/>
+              <a:endParaRPr lang="en-US" sz="1765" dirty="0"/>
             </a:p>
           </p:txBody>
         </p:sp>
@@ -13643,7 +13602,7 @@
           </a:lstStyle>
           <a:p>
             <a:r>
-              <a:rPr>
+              <a:rPr dirty="0">
                 <a:gradFill>
                   <a:gsLst>
                     <a:gs pos="2239">
@@ -13721,7 +13680,7 @@
               <a:pPr defTabSz="914554"/>
               <a:t>‹#›</a:t>
             </a:fld>
-            <a:endParaRPr lang="en-US">
+            <a:endParaRPr lang="en-US" dirty="0">
               <a:gradFill>
                 <a:gsLst>
                   <a:gs pos="2239">
@@ -15521,7 +15480,7 @@
       </p:sp>
       <p:pic>
         <p:nvPicPr>
-          <p:cNvPr id="4" name="Picture 3">
+          <p:cNvPr id="4" name="Picture 3" descr="Diagram of Azure Kubernetes Service managed components with master and agent nodes.">
             <a:extLst>
               <a:ext uri="{FF2B5EF4-FFF2-40B4-BE49-F238E27FC236}">
                 <a16:creationId xmlns:a16="http://schemas.microsoft.com/office/drawing/2014/main" id="{3C5B1B49-16A0-6D47-86C1-375B65B64B2C}"/>
@@ -15664,7 +15623,7 @@
       </p:sp>
       <p:pic>
         <p:nvPicPr>
-          <p:cNvPr id="5" name="Picture 4">
+          <p:cNvPr id="5" name="Picture 4" descr="Diagram showing the Azure DevOps workflow to build Docker images from source code, push images to Azure Container Registry, and deploy to Azure Kubernetes Service.">
             <a:extLst>
               <a:ext uri="{FF2B5EF4-FFF2-40B4-BE49-F238E27FC236}">
                 <a16:creationId xmlns:a16="http://schemas.microsoft.com/office/drawing/2014/main" id="{0AD41684-79B1-1641-996F-2A9ECFAA44F5}"/>
@@ -16325,7 +16284,7 @@
         <p:spPr>
           <a:xfrm>
             <a:off x="340285" y="1062166"/>
-            <a:ext cx="11472487" cy="5672322"/>
+            <a:ext cx="11472487" cy="6004721"/>
           </a:xfrm>
           <a:prstGeom prst="rect">
             <a:avLst/>
@@ -16367,7 +16326,7 @@
                 <a:latin typeface="Segoe UI Semilight" panose="020B0402040204020203" pitchFamily="34" charset="0"/>
                 <a:cs typeface="Segoe UI Semilight" panose="020B0402040204020203" pitchFamily="34" charset="0"/>
               </a:rPr>
-              <a:t>Prepare to present a solution to the target customer in a 15-minute chalk-talk format </a:t>
+              <a:t>Prepare to present a solution to the target customer in a 15-minute chalk-talk format. </a:t>
             </a:r>
             <a:endParaRPr lang="en-US" sz="3600" dirty="0">
               <a:latin typeface="+mj-lt"/>
@@ -16458,7 +16417,7 @@
                 <a:latin typeface="Segoe UI Semilight" panose="020B0402040204020203" pitchFamily="34" charset="0"/>
                 <a:cs typeface="Segoe UI Semilight" panose="020B0402040204020203" pitchFamily="34" charset="0"/>
               </a:rPr>
-              <a:t>Pair with another table</a:t>
+              <a:t>Pair with another table.</a:t>
             </a:r>
           </a:p>
           <a:p>
@@ -16471,7 +16430,7 @@
                 <a:latin typeface="Segoe UI Semilight" panose="020B0402040204020203" pitchFamily="34" charset="0"/>
                 <a:cs typeface="Segoe UI Semilight" panose="020B0402040204020203" pitchFamily="34" charset="0"/>
               </a:rPr>
-              <a:t>One table is the Microsoft team and the other table is the customer</a:t>
+              <a:t>One table is the Microsoft team and the other table is the customer.</a:t>
             </a:r>
           </a:p>
           <a:p>
@@ -16484,7 +16443,7 @@
                 <a:latin typeface="Segoe UI Semilight" panose="020B0402040204020203" pitchFamily="34" charset="0"/>
                 <a:cs typeface="Segoe UI Semilight" panose="020B0402040204020203" pitchFamily="34" charset="0"/>
               </a:rPr>
-              <a:t>The Microsoft team presents their proposed solution to the customer</a:t>
+              <a:t>The Microsoft team presents their proposed solution to the customer.</a:t>
             </a:r>
           </a:p>
           <a:p>
@@ -16497,7 +16456,7 @@
                 <a:latin typeface="Segoe UI Semilight" panose="020B0402040204020203" pitchFamily="34" charset="0"/>
                 <a:cs typeface="Segoe UI Semilight" panose="020B0402040204020203" pitchFamily="34" charset="0"/>
               </a:rPr>
-              <a:t>The customer asks one of the objections from the list of objections in the case study</a:t>
+              <a:t>The customer asks one of the objections from the list of objections in the case study.</a:t>
             </a:r>
           </a:p>
           <a:p>
@@ -16510,7 +16469,7 @@
                 <a:latin typeface="Segoe UI Semilight" panose="020B0402040204020203" pitchFamily="34" charset="0"/>
                 <a:cs typeface="Segoe UI Semilight" panose="020B0402040204020203" pitchFamily="34" charset="0"/>
               </a:rPr>
-              <a:t>The Microsoft team responds to the objection</a:t>
+              <a:t>The Microsoft team responds to the objection.</a:t>
             </a:r>
           </a:p>
           <a:p>
@@ -16523,7 +16482,7 @@
                 <a:latin typeface="Segoe UI Semilight" panose="020B0402040204020203" pitchFamily="34" charset="0"/>
                 <a:cs typeface="Segoe UI Semilight" panose="020B0402040204020203" pitchFamily="34" charset="0"/>
               </a:rPr>
-              <a:t>The customer team gives feedback to the Microsoft team</a:t>
+              <a:t>The customer team gives feedback to the Microsoft team.</a:t>
             </a:r>
             <a:endParaRPr lang="en-US" sz="2000" strike="sngStrike" dirty="0">
               <a:latin typeface="Segoe UI Semilight" panose="020B0402040204020203" pitchFamily="34" charset="0"/>
@@ -16671,7 +16630,7 @@
                 <a:latin typeface="Segoe UI Semilight" panose="020B0402040204020203" pitchFamily="34" charset="0"/>
                 <a:cs typeface="Segoe UI Semilight" panose="020B0402040204020203" pitchFamily="34" charset="0"/>
               </a:rPr>
-              <a:t>Identify the preferred solution for the case study</a:t>
+              <a:t>Identify the preferred solution for the case study.</a:t>
             </a:r>
           </a:p>
           <a:p>
@@ -16688,7 +16647,7 @@
                 <a:latin typeface="Segoe UI Semilight" panose="020B0402040204020203" pitchFamily="34" charset="0"/>
                 <a:cs typeface="Segoe UI Semilight" panose="020B0402040204020203" pitchFamily="34" charset="0"/>
               </a:rPr>
-              <a:t>Identify solutions designed by other teams</a:t>
+              <a:t>Identify solutions designed by other teams.</a:t>
             </a:r>
           </a:p>
           <a:p>
@@ -16851,15 +16810,7 @@
             <a:pPr marL="522296" lvl="1" indent="-285750"/>
             <a:r>
               <a:rPr lang="en-US" sz="2800" dirty="0"/>
-              <a:t>Arthur Block, VP Engineering at </a:t>
-            </a:r>
-            <a:r>
-              <a:rPr lang="en-US" sz="2800" dirty="0" err="1"/>
-              <a:t>Fabrikam</a:t>
-            </a:r>
-            <a:r>
-              <a:rPr lang="en-US" sz="2800" dirty="0"/>
-              <a:t> Medical Conferences</a:t>
+              <a:t>Arthur Block, VP Engineering at Fabrikam Medical Conferences</a:t>
             </a:r>
           </a:p>
           <a:p>
@@ -16870,7 +16821,7 @@
             <a:pPr marL="522296" lvl="1" indent="-285750"/>
             <a:r>
               <a:rPr lang="en-US" sz="2800" dirty="0"/>
-              <a:t>The primary audience is the technical strategic decision-maker with influential solution architects, or lead technical personnel in development or operations </a:t>
+              <a:t>The primary audience is the technical strategic decision-maker with influential solution architects, or lead technical personnel in development or operations .</a:t>
             </a:r>
           </a:p>
           <a:p>
@@ -16881,7 +16832,7 @@
             <a:pPr marL="522296" lvl="1" indent="-285750"/>
             <a:r>
               <a:rPr lang="en-US" sz="2800" dirty="0"/>
-              <a:t>Usually we talk to the key architects, developers and infrastructure managers who report to the CIO or equivalent, or to key solution sponsors or those that represent the business unit IT or developers that report to those sponsors</a:t>
+              <a:t>Usually we talk to the key architects, developers and infrastructure managers who report to the CIO or equivalent, or to key solution sponsors or those that represent the business unit IT or developers that report to those sponsors.</a:t>
             </a:r>
           </a:p>
           <a:p>
@@ -17001,15 +16952,7 @@
             <a:pPr lvl="1"/>
             <a:r>
               <a:rPr lang="en-US" sz="3600" dirty="0"/>
-              <a:t>After evaluating the options for container platforms on Azure, </a:t>
-            </a:r>
-            <a:r>
-              <a:rPr lang="en-US" sz="3600" dirty="0" err="1"/>
-              <a:t>Fabrikam</a:t>
-            </a:r>
-            <a:r>
-              <a:rPr lang="en-US" sz="3600" dirty="0"/>
-              <a:t> Medical Conferences decided to move forward with Azure Kubernetes Service (AKS)</a:t>
+              <a:t>After evaluating the options for container platforms on Azure, Fabrikam Medical Conferences decided to move forward with Azure Kubernetes Service (AKS).</a:t>
             </a:r>
           </a:p>
           <a:p>
@@ -17020,7 +16963,7 @@
             <a:pPr lvl="1"/>
             <a:r>
               <a:rPr lang="en-US" sz="3600" dirty="0"/>
-              <a:t>They also decided to move forward with Azure DevOps for infrastructure and container DevOps workflows</a:t>
+              <a:t>They also decided to move forward with Azure DevOps for infrastructure and container DevOps workflows.</a:t>
             </a:r>
           </a:p>
           <a:p>
@@ -17805,23 +17748,7 @@
                   <a:schemeClr val="tx1"/>
                 </a:solidFill>
               </a:rPr>
-              <a:t>	- Arthur Block, VP of Engineering at </a:t>
-            </a:r>
-            <a:r>
-              <a:rPr lang="en-US" sz="2800" dirty="0" err="1">
-                <a:solidFill>
-                  <a:schemeClr val="tx1"/>
-                </a:solidFill>
-              </a:rPr>
-              <a:t>Fabrikam</a:t>
-            </a:r>
-            <a:r>
-              <a:rPr lang="en-US" sz="2800" dirty="0">
-                <a:solidFill>
-                  <a:schemeClr val="tx1"/>
-                </a:solidFill>
-              </a:rPr>
-              <a:t> Medical Conferences</a:t>
+              <a:t>	- Arthur Block, VP of Engineering at Fabrikam Medical Conferences</a:t>
             </a:r>
           </a:p>
           <a:p>
@@ -18075,7 +18002,7 @@
                 <a:latin typeface="Segoe UI Semilight" panose="020B0402040204020203" pitchFamily="34" charset="0"/>
                 <a:cs typeface="Segoe UI Semilight" panose="020B0402040204020203" pitchFamily="34" charset="0"/>
               </a:rPr>
-              <a:t>Analyze your customer needs</a:t>
+              <a:t>Analyze your customer needs.</a:t>
             </a:r>
           </a:p>
           <a:p>
@@ -18185,12 +18112,8 @@
           <a:lstStyle/>
           <a:p>
             <a:r>
-              <a:rPr lang="en-US" sz="3600" b="1" dirty="0" err="1"/>
-              <a:t>Fabrikam</a:t>
-            </a:r>
-            <a:r>
               <a:rPr lang="en-US" sz="3600" b="1" dirty="0"/>
-              <a:t> Medical Conferences provides conference web site services tailored to the medical community</a:t>
+              <a:t>Fabrikam Medical Conferences provides conference web site services tailored to the medical community.</a:t>
             </a:r>
           </a:p>
           <a:p>
@@ -18202,7 +18125,7 @@
           <a:p>
             <a:r>
               <a:rPr lang="en-US" sz="3600" b="1" dirty="0"/>
-              <a:t>After starting with a few small conferences, they now have evolved into a well-known brand and handle over 100 conferences per year, and growing </a:t>
+              <a:t>After starting with a few small conferences, they now have evolved into a well-known brand and handle over 100 conferences per year, and growing.</a:t>
             </a:r>
           </a:p>
           <a:p>
@@ -18342,7 +18265,7 @@
           <a:p>
             <a:r>
               <a:rPr lang="en-US" sz="3600" b="1" dirty="0"/>
-              <a:t>Each conference site has limited budget, but the conference owners have significant customization and change demands</a:t>
+              <a:t>Each conference site has limited budget, but the conference owners have significant customization and change demands.</a:t>
             </a:r>
           </a:p>
           <a:p>
@@ -18351,7 +18274,7 @@
           <a:p>
             <a:r>
               <a:rPr lang="en-US" sz="3600" b="1" dirty="0"/>
-              <a:t>These changes can impact various aspects of the system from UI to back end, including conference registration and payment terms </a:t>
+              <a:t>These changes can impact various aspects of the system from UI to back end, including conference registration and payment terms. </a:t>
             </a:r>
           </a:p>
           <a:p>
@@ -18511,7 +18434,7 @@
           <a:p>
             <a:r>
               <a:rPr lang="en-US" sz="3600" b="1" dirty="0"/>
-              <a:t>Due to customer demands, they have issues with the efficiency and reliability of their development and DevOps workflows </a:t>
+              <a:t>Due to customer demands, they have issues with the efficiency and reliability of their development and DevOps workflows. </a:t>
             </a:r>
           </a:p>
           <a:p>
@@ -18649,14 +18572,14 @@
             <a:pPr lvl="1"/>
             <a:r>
               <a:rPr lang="en-US" sz="2800" b="1" dirty="0"/>
-              <a:t>Conference sites are currently hosted on Windows Server machines on premise</a:t>
+              <a:t>Conference sites are currently hosted on Windows Server machines on premise.</a:t>
             </a:r>
           </a:p>
           <a:p>
             <a:pPr lvl="1" fontAlgn="base"/>
             <a:r>
               <a:rPr lang="en-US" sz="2800" b="1" dirty="0"/>
-              <a:t>The data back-end is a MongoDB cluster also deployed to Windows Server machines on premise</a:t>
+              <a:t>The data back-end is a MongoDB cluster also deployed to Windows Server machines on premise.</a:t>
             </a:r>
           </a:p>
         </p:txBody>
@@ -18798,14 +18721,14 @@
             <a:pPr lvl="2" fontAlgn="base"/>
             <a:r>
               <a:rPr lang="en-US" sz="2400" b="1" dirty="0"/>
-              <a:t>The tenant’s code is deployed to a specific group of load balanced Windows Server machines dedicated to one or more tenant</a:t>
+              <a:t>The tenant’s code is deployed to a specific group of load balanced Windows Server machines dedicated to one or more tenant.</a:t>
             </a:r>
           </a:p>
           <a:p>
             <a:pPr lvl="2" fontAlgn="base"/>
             <a:r>
               <a:rPr lang="en-US" sz="2400" b="1" dirty="0"/>
-              <a:t>Once the conference site is live, the inevitable requests for customizations to the deployment begins</a:t>
+              <a:t>Once the conference site is live, the inevitable requests for customizations to the deployment begins.</a:t>
             </a:r>
           </a:p>
           <a:p>

--- a/Whiteboard design session/WDS trainer presentation - Cloud-native applications.pptx
+++ b/Whiteboard design session/WDS trainer presentation - Cloud-native applications.pptx
@@ -220,7 +220,7 @@
           <a:p>
             <a:fld id="{52A13B17-C506-4D51-BB37-16B365906619}" type="datetimeFigureOut">
               <a:rPr lang="en-US" smtClean="0"/>
-              <a:t>12/18/19</a:t>
+              <a:t>2/24/2020</a:t>
             </a:fld>
             <a:endParaRPr lang="en-US" dirty="0"/>
           </a:p>
@@ -2154,7 +2154,7 @@
                   <a:prstClr val="black"/>
                 </a:solidFill>
               </a:rPr>
-              <a:t>12/18/19 6:49 AM</a:t>
+              <a:t>2/24/2020 4:06 PM</a:t>
             </a:fld>
             <a:endParaRPr lang="en-US" dirty="0">
               <a:solidFill>
@@ -15594,7 +15594,7 @@
                 </a:solidFill>
                 <a:cs typeface="Segoe UI" panose="020B0502040204020203" pitchFamily="34" charset="0"/>
               </a:rPr>
-              <a:t>Common scenarios</a:t>
+              <a:t>Common scenarios 2</a:t>
             </a:r>
             <a:br>
               <a:rPr lang="en-US" dirty="0">
@@ -17086,7 +17086,7 @@
                 </a:solidFill>
                 <a:cs typeface="Segoe UI" panose="020B0502040204020203" pitchFamily="34" charset="0"/>
               </a:rPr>
-              <a:t>Preferred solution</a:t>
+              <a:t>Preferred solution 2</a:t>
             </a:r>
             <a:br>
               <a:rPr lang="en-US" dirty="0">
@@ -17586,7 +17586,7 @@
                 </a:solidFill>
                 <a:cs typeface="Segoe UI" panose="020B0502040204020203" pitchFamily="34" charset="0"/>
               </a:rPr>
-              <a:t>Preferred objections handling</a:t>
+              <a:t>Preferred objections handling 2</a:t>
             </a:r>
             <a:br>
               <a:rPr lang="en-US" dirty="0">
@@ -18267,7 +18267,7 @@
                 </a:solidFill>
                 <a:cs typeface="Segoe UI" panose="020B0502040204020203" pitchFamily="34" charset="0"/>
               </a:rPr>
-              <a:t>Customer situation</a:t>
+              <a:t>Customer situation 2</a:t>
             </a:r>
             <a:br>
               <a:rPr lang="en-US" dirty="0">
@@ -18399,7 +18399,7 @@
                 </a:solidFill>
                 <a:cs typeface="Segoe UI" panose="020B0502040204020203" pitchFamily="34" charset="0"/>
               </a:rPr>
-              <a:t>Customer situation</a:t>
+              <a:t>Customer situation 3</a:t>
             </a:r>
             <a:br>
               <a:rPr lang="en-US" dirty="0">
@@ -18559,7 +18559,7 @@
                 </a:solidFill>
                 <a:cs typeface="Segoe UI" panose="020B0502040204020203" pitchFamily="34" charset="0"/>
               </a:rPr>
-              <a:t>Customer situation</a:t>
+              <a:t>Customer situation 4</a:t>
             </a:r>
             <a:br>
               <a:rPr lang="en-US" dirty="0">
@@ -18691,7 +18691,7 @@
                 </a:solidFill>
                 <a:cs typeface="Segoe UI" panose="020B0502040204020203" pitchFamily="34" charset="0"/>
               </a:rPr>
-              <a:t>Customer situation</a:t>
+              <a:t>Customer situation 5</a:t>
             </a:r>
             <a:br>
               <a:rPr lang="en-US" dirty="0">
@@ -18848,7 +18848,7 @@
                 </a:solidFill>
                 <a:cs typeface="Segoe UI" panose="020B0502040204020203" pitchFamily="34" charset="0"/>
               </a:rPr>
-              <a:t>Customer situation</a:t>
+              <a:t>Customer situation 6</a:t>
             </a:r>
             <a:br>
               <a:rPr lang="en-US" dirty="0">

--- a/Whiteboard design session/WDS trainer presentation - Cloud-native applications.pptx
+++ b/Whiteboard design session/WDS trainer presentation - Cloud-native applications.pptx
@@ -220,7 +220,7 @@
           <a:p>
             <a:fld id="{52A13B17-C506-4D51-BB37-16B365906619}" type="datetimeFigureOut">
               <a:rPr lang="en-US" smtClean="0"/>
-              <a:t>2/24/2020</a:t>
+              <a:t>6/30/20</a:t>
             </a:fld>
             <a:endParaRPr lang="en-US" dirty="0"/>
           </a:p>
@@ -1485,6 +1485,19 @@
           <a:bodyPr/>
           <a:lstStyle/>
           <a:p>
+            <a:r>
+              <a:rPr lang="en-US"/>
+              <a:t>Reference Links:</a:t>
+            </a:r>
+            <a:endParaRPr lang="en-US" dirty="0"/>
+          </a:p>
+          <a:p>
+            <a:r>
+              <a:rPr lang="en-US" dirty="0">
+                <a:hlinkClick r:id="rId3"/>
+              </a:rPr>
+              <a:t>https://docs.microsoft.com/en-us/azure/architecture/reference-architectures/microservices/aks</a:t>
+            </a:r>
             <a:endParaRPr lang="en-US" dirty="0"/>
           </a:p>
         </p:txBody>
@@ -2154,7 +2167,7 @@
                   <a:prstClr val="black"/>
                 </a:solidFill>
               </a:rPr>
-              <a:t>2/24/2020 4:06 PM</a:t>
+              <a:t>6/30/20 4:36 PM</a:t>
             </a:fld>
             <a:endParaRPr lang="en-US" dirty="0">
               <a:solidFill>
@@ -17107,7 +17120,7 @@
       </p:sp>
       <p:pic>
         <p:nvPicPr>
-          <p:cNvPr id="4" name="Picture 3" descr="A diagram showing the solution, using Azure Kubernetes Service with a CosmosDB back end.">
+          <p:cNvPr id="4" name="Picture 3">
             <a:extLst>
               <a:ext uri="{FF2B5EF4-FFF2-40B4-BE49-F238E27FC236}">
                 <a16:creationId xmlns:a16="http://schemas.microsoft.com/office/drawing/2014/main" id="{A77DE13A-AD2C-4759-A6A4-111012127BDB}"/>
@@ -17120,15 +17133,20 @@
           <p:nvPr/>
         </p:nvPicPr>
         <p:blipFill>
-          <a:blip r:embed="rId3"/>
-          <a:stretch>
-            <a:fillRect/>
-          </a:stretch>
+          <a:blip r:embed="rId3">
+            <a:extLst>
+              <a:ext uri="{28A0092B-C50C-407E-A947-70E740481C1C}">
+                <a14:useLocalDpi xmlns:a14="http://schemas.microsoft.com/office/drawing/2010/main" val="0"/>
+              </a:ext>
+            </a:extLst>
+          </a:blip>
+          <a:srcRect/>
+          <a:stretch/>
         </p:blipFill>
         <p:spPr>
           <a:xfrm>
-            <a:off x="1715911" y="1369575"/>
-            <a:ext cx="9014287" cy="5352957"/>
+            <a:off x="1181177" y="1189176"/>
+            <a:ext cx="9829646" cy="5529175"/>
           </a:xfrm>
           <a:prstGeom prst="rect">
             <a:avLst/>
@@ -17505,7 +17523,7 @@
             <a:pPr lvl="2"/>
             <a:r>
               <a:rPr lang="en-US" sz="2800" dirty="0"/>
-              <a:t>Web App for Containers – simple PaaS without full-featured container orchestration</a:t>
+              <a:t>Azure Kubernetes Services (AKS) – the ideal solution for a fully managed experience</a:t>
             </a:r>
           </a:p>
           <a:p>
@@ -17519,8 +17537,12 @@
             <a:pPr lvl="2"/>
             <a:r>
               <a:rPr lang="en-US" sz="2800" dirty="0"/>
-              <a:t>Azure Kubernetes Services (AKS) – the ideal solution for a fully managed experience</a:t>
-            </a:r>
+              <a:t>Web App for Containers – simple PaaS without full-featured container orchestration</a:t>
+            </a:r>
+          </a:p>
+          <a:p>
+            <a:pPr lvl="2"/>
+            <a:endParaRPr lang="en-US" sz="2800" dirty="0"/>
           </a:p>
         </p:txBody>
       </p:sp>

--- a/Whiteboard design session/WDS trainer presentation - Cloud-native applications.pptx
+++ b/Whiteboard design session/WDS trainer presentation - Cloud-native applications.pptx
@@ -220,7 +220,7 @@
           <a:p>
             <a:fld id="{52A13B17-C506-4D51-BB37-16B365906619}" type="datetimeFigureOut">
               <a:rPr lang="en-US" smtClean="0"/>
-              <a:t>6/30/20</a:t>
+              <a:t>7/5/20</a:t>
             </a:fld>
             <a:endParaRPr lang="en-US" dirty="0"/>
           </a:p>
@@ -2167,7 +2167,7 @@
                   <a:prstClr val="black"/>
                 </a:solidFill>
               </a:rPr>
-              <a:t>6/30/20 4:36 PM</a:t>
+              <a:t>7/5/20 7:51 PM</a:t>
             </a:fld>
             <a:endParaRPr lang="en-US" dirty="0">
               <a:solidFill>
@@ -17522,22 +17522,34 @@
           <a:p>
             <a:pPr lvl="2"/>
             <a:r>
+              <a:rPr lang="en-US" sz="2800" b="1" dirty="0"/>
+              <a:t>Azure Kubernetes Services (AKS)</a:t>
+            </a:r>
+            <a:r>
               <a:rPr lang="en-US" sz="2800" dirty="0"/>
-              <a:t>Azure Kubernetes Services (AKS) – the ideal solution for a fully managed experience</a:t>
+              <a:t> – the ideal solution for a fully managed experience</a:t>
             </a:r>
           </a:p>
           <a:p>
             <a:pPr lvl="2"/>
             <a:r>
+              <a:rPr lang="en-US" sz="2800" b="1" dirty="0"/>
+              <a:t>Azure Container Instances</a:t>
+            </a:r>
+            <a:r>
               <a:rPr lang="en-US" sz="2800" dirty="0"/>
-              <a:t>Azure Container Instances – simple, isolated, without management tooling, enabling workload scale on demand</a:t>
+              <a:t> – simple, isolated, without management tooling, enabling workload scale on demand</a:t>
             </a:r>
           </a:p>
           <a:p>
             <a:pPr lvl="2"/>
             <a:r>
+              <a:rPr lang="en-US" sz="2800" b="1" dirty="0"/>
+              <a:t>Web App for Containers</a:t>
+            </a:r>
+            <a:r>
               <a:rPr lang="en-US" sz="2800" dirty="0"/>
-              <a:t>Web App for Containers – simple PaaS without full-featured container orchestration</a:t>
+              <a:t> – simple PaaS without full-featured container orchestration</a:t>
             </a:r>
           </a:p>
           <a:p>
@@ -18639,14 +18651,14 @@
             <a:pPr lvl="1"/>
             <a:r>
               <a:rPr lang="en-US" sz="2800" b="1" dirty="0"/>
-              <a:t>Conference sites are currently hosted on Windows Server machines on premise.</a:t>
+              <a:t>Web sites and APIs are built as microservices hosted on Linux servers.</a:t>
             </a:r>
           </a:p>
           <a:p>
             <a:pPr lvl="1" fontAlgn="base"/>
             <a:r>
               <a:rPr lang="en-US" sz="2800" b="1" dirty="0"/>
-              <a:t>The data back-end is a MongoDB cluster also deployed to Windows Server machines on premise.</a:t>
+              <a:t>The on-prem data backend is MongoDB; also running on a separate cluster of Linux servers.</a:t>
             </a:r>
           </a:p>
         </p:txBody>
@@ -18788,7 +18800,7 @@
             <a:pPr lvl="2" fontAlgn="base"/>
             <a:r>
               <a:rPr lang="en-US" sz="2400" b="1" dirty="0"/>
-              <a:t>The tenant’s code is deployed to a specific group of load balanced Windows Server machines dedicated to one or more tenant.</a:t>
+              <a:t>The tenant’s code is deployed to a specific group of load balanced Linux server dedicated to one or more tenant.</a:t>
             </a:r>
           </a:p>
           <a:p>

--- a/Whiteboard design session/WDS trainer presentation - Cloud-native applications.pptx
+++ b/Whiteboard design session/WDS trainer presentation - Cloud-native applications.pptx
@@ -6,7 +6,7 @@
     <p:sldMasterId id="2147483665" r:id="rId2"/>
   </p:sldMasterIdLst>
   <p:notesMasterIdLst>
-    <p:notesMasterId r:id="rId26"/>
+    <p:notesMasterId r:id="rId27"/>
   </p:notesMasterIdLst>
   <p:sldIdLst>
     <p:sldId id="300" r:id="rId3"/>
@@ -30,8 +30,9 @@
     <p:sldId id="332" r:id="rId21"/>
     <p:sldId id="319" r:id="rId22"/>
     <p:sldId id="333" r:id="rId23"/>
-    <p:sldId id="318" r:id="rId24"/>
-    <p:sldId id="315" r:id="rId25"/>
+    <p:sldId id="334" r:id="rId24"/>
+    <p:sldId id="318" r:id="rId25"/>
+    <p:sldId id="315" r:id="rId26"/>
   </p:sldIdLst>
   <p:sldSz cx="12192000" cy="6858000"/>
   <p:notesSz cx="6858000" cy="9144000"/>
@@ -2041,7 +2042,7 @@
           <a:p>
             <a:fld id="{0998D5BB-B127-481F-BC0A-2F77C576BB34}" type="slidenum">
               <a:rPr lang="en-US" smtClean="0"/>
-              <a:t>22</a:t>
+              <a:t>23</a:t>
             </a:fld>
             <a:endParaRPr lang="en-US" dirty="0"/>
           </a:p>
@@ -2199,7 +2200,7 @@
                 </a:solidFill>
               </a:rPr>
               <a:pPr/>
-              <a:t>23</a:t>
+              <a:t>24</a:t>
             </a:fld>
             <a:endParaRPr lang="en-US" dirty="0">
               <a:solidFill>
@@ -17724,6 +17725,165 @@
       </p:grpSpPr>
       <p:sp>
         <p:nvSpPr>
+          <p:cNvPr id="5" name="Text Placeholder 4">
+            <a:extLst>
+              <a:ext uri="{FF2B5EF4-FFF2-40B4-BE49-F238E27FC236}">
+                <a16:creationId xmlns:a16="http://schemas.microsoft.com/office/drawing/2014/main" id="{64D28328-F942-404E-920D-0EB05B27B847}"/>
+              </a:ext>
+            </a:extLst>
+          </p:cNvPr>
+          <p:cNvSpPr>
+            <a:spLocks noGrp="1"/>
+          </p:cNvSpPr>
+          <p:nvPr>
+            <p:ph type="body" sz="quarter" idx="10"/>
+          </p:nvPr>
+        </p:nvSpPr>
+        <p:spPr>
+          <a:xfrm>
+            <a:off x="269239" y="1189177"/>
+            <a:ext cx="11653523" cy="3956917"/>
+          </a:xfrm>
+        </p:spPr>
+        <p:txBody>
+          <a:bodyPr/>
+          <a:lstStyle/>
+          <a:p>
+            <a:pPr marL="0" indent="0">
+              <a:buNone/>
+            </a:pPr>
+            <a:r>
+              <a:rPr lang="en-US" sz="3600" dirty="0"/>
+              <a:t>We heard Azure </a:t>
+            </a:r>
+            <a:r>
+              <a:rPr lang="en-US" sz="3600" dirty="0" err="1"/>
+              <a:t>CosmosDB</a:t>
+            </a:r>
+            <a:r>
+              <a:rPr lang="en-US" sz="3600" dirty="0"/>
+              <a:t> is compatible with MongoDB. Will this provide a migration </a:t>
+            </a:r>
+            <a:r>
+              <a:rPr lang="en-US" sz="3600"/>
+              <a:t>that minimized </a:t>
+            </a:r>
+            <a:r>
+              <a:rPr lang="en-US" sz="3600" dirty="0"/>
+              <a:t>code changes?</a:t>
+            </a:r>
+          </a:p>
+          <a:p>
+            <a:endParaRPr lang="en-US" sz="2800" dirty="0">
+              <a:latin typeface="+mn-lt"/>
+            </a:endParaRPr>
+          </a:p>
+          <a:p>
+            <a:r>
+              <a:rPr lang="en-US" sz="2800" dirty="0">
+                <a:latin typeface="+mn-lt"/>
+              </a:rPr>
+              <a:t>Azure </a:t>
+            </a:r>
+            <a:r>
+              <a:rPr lang="en-US" sz="2800" dirty="0" err="1">
+                <a:latin typeface="+mn-lt"/>
+              </a:rPr>
+              <a:t>CosmosDB</a:t>
+            </a:r>
+            <a:r>
+              <a:rPr lang="en-US" sz="2800" dirty="0">
+                <a:latin typeface="+mn-lt"/>
+              </a:rPr>
+              <a:t> supports multiple NoSQL data models; including supporting a MongoDB API. This provides compatibility for code written for MongoDB to communicate with </a:t>
+            </a:r>
+            <a:r>
+              <a:rPr lang="en-US" sz="2800" dirty="0" err="1">
+                <a:latin typeface="+mn-lt"/>
+              </a:rPr>
+              <a:t>CosmosDB</a:t>
+            </a:r>
+            <a:r>
+              <a:rPr lang="en-US" sz="2800" dirty="0">
+                <a:latin typeface="+mn-lt"/>
+              </a:rPr>
+              <a:t> without code changes; for easier migration and interoperability.</a:t>
+            </a:r>
+          </a:p>
+          <a:p>
+            <a:endParaRPr lang="en-US" dirty="0"/>
+          </a:p>
+        </p:txBody>
+      </p:sp>
+      <p:sp>
+        <p:nvSpPr>
+          <p:cNvPr id="3" name="Title 2">
+            <a:extLst>
+              <a:ext uri="{FF2B5EF4-FFF2-40B4-BE49-F238E27FC236}">
+                <a16:creationId xmlns:a16="http://schemas.microsoft.com/office/drawing/2014/main" id="{6EF4C784-5137-C84F-90DE-319C49E447A9}"/>
+              </a:ext>
+            </a:extLst>
+          </p:cNvPr>
+          <p:cNvSpPr>
+            <a:spLocks noGrp="1"/>
+          </p:cNvSpPr>
+          <p:nvPr>
+            <p:ph type="title"/>
+          </p:nvPr>
+        </p:nvSpPr>
+        <p:spPr/>
+        <p:txBody>
+          <a:bodyPr vert="horz" wrap="square" lIns="146304" tIns="91440" rIns="146304" bIns="91440" rtlCol="0" anchor="t">
+            <a:normAutofit/>
+          </a:bodyPr>
+          <a:lstStyle/>
+          <a:p>
+            <a:r>
+              <a:rPr lang="en-US" sz="4400" dirty="0">
+                <a:solidFill>
+                  <a:schemeClr val="tx1"/>
+                </a:solidFill>
+              </a:rPr>
+              <a:t>Preferred objections handling 3</a:t>
+            </a:r>
+          </a:p>
+        </p:txBody>
+      </p:sp>
+    </p:spTree>
+    <p:extLst>
+      <p:ext uri="{BB962C8B-B14F-4D97-AF65-F5344CB8AC3E}">
+        <p14:creationId xmlns:p14="http://schemas.microsoft.com/office/powerpoint/2010/main" val="244504347"/>
+      </p:ext>
+    </p:extLst>
+  </p:cSld>
+  <p:clrMapOvr>
+    <a:masterClrMapping/>
+  </p:clrMapOvr>
+  <p:transition>
+    <p:fade/>
+  </p:transition>
+</p:sld>
+</file>
+
+<file path=ppt/slides/slide23.xml><?xml version="1.0" encoding="utf-8"?>
+<p:sld xmlns:a="http://schemas.openxmlformats.org/drawingml/2006/main" xmlns:r="http://schemas.openxmlformats.org/officeDocument/2006/relationships" xmlns:p="http://schemas.openxmlformats.org/presentationml/2006/main">
+  <p:cSld>
+    <p:spTree>
+      <p:nvGrpSpPr>
+        <p:cNvPr id="1" name=""/>
+        <p:cNvGrpSpPr/>
+        <p:nvPr/>
+      </p:nvGrpSpPr>
+      <p:grpSpPr>
+        <a:xfrm>
+          <a:off x="0" y="0"/>
+          <a:ext cx="0" cy="0"/>
+          <a:chOff x="0" y="0"/>
+          <a:chExt cx="0" cy="0"/>
+        </a:xfrm>
+      </p:grpSpPr>
+      <p:sp>
+        <p:nvSpPr>
           <p:cNvPr id="2" name="Title 1"/>
           <p:cNvSpPr>
             <a:spLocks noGrp="1"/>
@@ -17876,7 +18036,7 @@
 </p:sld>
 </file>
 
-<file path=ppt/slides/slide23.xml><?xml version="1.0" encoding="utf-8"?>
+<file path=ppt/slides/slide24.xml><?xml version="1.0" encoding="utf-8"?>
 <p:sld xmlns:a="http://schemas.openxmlformats.org/drawingml/2006/main" xmlns:r="http://schemas.openxmlformats.org/officeDocument/2006/relationships" xmlns:p="http://schemas.openxmlformats.org/presentationml/2006/main">
   <p:cSld>
     <p:bg>

--- a/Whiteboard design session/WDS trainer presentation - Cloud-native applications.pptx
+++ b/Whiteboard design session/WDS trainer presentation - Cloud-native applications.pptx
@@ -17754,23 +17754,7 @@
             </a:pPr>
             <a:r>
               <a:rPr lang="en-US" sz="3600" dirty="0"/>
-              <a:t>We heard Azure </a:t>
-            </a:r>
-            <a:r>
-              <a:rPr lang="en-US" sz="3600" dirty="0" err="1"/>
-              <a:t>CosmosDB</a:t>
-            </a:r>
-            <a:r>
-              <a:rPr lang="en-US" sz="3600" dirty="0"/>
-              <a:t> is compatible with MongoDB. Will this provide a migration </a:t>
-            </a:r>
-            <a:r>
-              <a:rPr lang="en-US" sz="3600"/>
-              <a:t>that minimized </a:t>
-            </a:r>
-            <a:r>
-              <a:rPr lang="en-US" sz="3600" dirty="0"/>
-              <a:t>code changes?</a:t>
+              <a:t>We heard Azure Cosmos DB is compatible with MongoDB. Will this provide a migration that minimized code changes?</a:t>
             </a:r>
           </a:p>
           <a:p>
@@ -17783,31 +17767,19 @@
               <a:rPr lang="en-US" sz="2800" dirty="0">
                 <a:latin typeface="+mn-lt"/>
               </a:rPr>
-              <a:t>Azure </a:t>
-            </a:r>
-            <a:r>
-              <a:rPr lang="en-US" sz="2800" dirty="0" err="1">
+              <a:t>Azure Cosmos DB supports multiple NoSQL data models; including supporting a MongoDB API. This provides compatibility for code written for MongoDB to communicate </a:t>
+            </a:r>
+            <a:r>
+              <a:rPr lang="en-US" sz="2800">
                 <a:latin typeface="+mn-lt"/>
               </a:rPr>
-              <a:t>CosmosDB</a:t>
+              <a:t>with Cosmos DB </a:t>
             </a:r>
             <a:r>
               <a:rPr lang="en-US" sz="2800" dirty="0">
                 <a:latin typeface="+mn-lt"/>
               </a:rPr>
-              <a:t> supports multiple NoSQL data models; including supporting a MongoDB API. This provides compatibility for code written for MongoDB to communicate with </a:t>
-            </a:r>
-            <a:r>
-              <a:rPr lang="en-US" sz="2800" dirty="0" err="1">
-                <a:latin typeface="+mn-lt"/>
-              </a:rPr>
-              <a:t>CosmosDB</a:t>
-            </a:r>
-            <a:r>
-              <a:rPr lang="en-US" sz="2800" dirty="0">
-                <a:latin typeface="+mn-lt"/>
-              </a:rPr>
-              <a:t> without code changes; for easier migration and interoperability.</a:t>
+              <a:t>without code changes; for easier migration and interoperability.</a:t>
             </a:r>
           </a:p>
           <a:p>
@@ -17956,7 +17928,7 @@
                   <a:schemeClr val="tx1"/>
                 </a:solidFill>
               </a:rPr>
-              <a:t>“With Azure Kubernetes Service (AKS) we feel confident we can make the move to a container-based platform with the right DevOps support in place to be successful with a small team.”</a:t>
+              <a:t>“With Azure Kubernetes Service (AKS) and Cosmos DB we feel confident we can make the move to a cloud-native, container-based platform with the right DevOps support in place to be successful with a small team.”</a:t>
             </a:r>
             <a:endParaRPr lang="en-US" sz="3600" dirty="0">
               <a:solidFill>

--- a/Whiteboard design session/WDS trainer presentation - Cloud-native applications.pptx
+++ b/Whiteboard design session/WDS trainer presentation - Cloud-native applications.pptx
@@ -221,7 +221,7 @@
           <a:p>
             <a:fld id="{52A13B17-C506-4D51-BB37-16B365906619}" type="datetimeFigureOut">
               <a:rPr lang="en-US" smtClean="0"/>
-              <a:t>7/5/20</a:t>
+              <a:t>7/11/20</a:t>
             </a:fld>
             <a:endParaRPr lang="en-US" dirty="0"/>
           </a:p>
@@ -2168,7 +2168,7 @@
                   <a:prstClr val="black"/>
                 </a:solidFill>
               </a:rPr>
-              <a:t>7/5/20 7:51 PM</a:t>
+              <a:t>7/11/20 3:46 PM</a:t>
             </a:fld>
             <a:endParaRPr lang="en-US" dirty="0">
               <a:solidFill>
@@ -17680,7 +17680,7 @@
             <a:pPr lvl="2"/>
             <a:r>
               <a:rPr lang="en-US" sz="2800" dirty="0"/>
-              <a:t>The best option is to go with a managed cluster such as Azure Container Service (AKS), native to Azure</a:t>
+              <a:t>The best option is to go with a managed cluster such as Azure Kubernetes Service (AKS), native to Azure</a:t>
             </a:r>
           </a:p>
         </p:txBody>

--- a/Whiteboard design session/WDS trainer presentation - Cloud-native applications.pptx
+++ b/Whiteboard design session/WDS trainer presentation - Cloud-native applications.pptx
@@ -221,7 +221,7 @@
           <a:p>
             <a:fld id="{52A13B17-C506-4D51-BB37-16B365906619}" type="datetimeFigureOut">
               <a:rPr lang="en-US" smtClean="0"/>
-              <a:t>7/11/20</a:t>
+              <a:t>8/23/20</a:t>
             </a:fld>
             <a:endParaRPr lang="en-US" dirty="0"/>
           </a:p>
@@ -2168,7 +2168,7 @@
                   <a:prstClr val="black"/>
                 </a:solidFill>
               </a:rPr>
-              <a:t>7/11/20 3:46 PM</a:t>
+              <a:t>8/23/20 8:45 PM</a:t>
             </a:fld>
             <a:endParaRPr lang="en-US" dirty="0">
               <a:solidFill>
@@ -17022,7 +17022,7 @@
             <a:pPr lvl="1"/>
             <a:r>
               <a:rPr lang="en-US" sz="3600" dirty="0"/>
-              <a:t>They also decided to move forward with Azure DevOps for infrastructure and container DevOps workflows.</a:t>
+              <a:t>They also decided to move forward with GitHub Actions for infrastructure and container DevOps workflows.</a:t>
             </a:r>
           </a:p>
           <a:p>
@@ -17121,7 +17121,7 @@
       </p:sp>
       <p:pic>
         <p:nvPicPr>
-          <p:cNvPr id="4" name="Picture 3">
+          <p:cNvPr id="4" name="Picture 3" descr="Solution architecture using Azure Kubernetes Service for hosting microservices, and CI/CD workflow using GitHub Actions.">
             <a:extLst>
               <a:ext uri="{FF2B5EF4-FFF2-40B4-BE49-F238E27FC236}">
                 <a16:creationId xmlns:a16="http://schemas.microsoft.com/office/drawing/2014/main" id="{A77DE13A-AD2C-4759-A6A4-111012127BDB}"/>
@@ -17146,8 +17146,8 @@
         </p:blipFill>
         <p:spPr>
           <a:xfrm>
-            <a:off x="1181177" y="1189176"/>
-            <a:ext cx="9829646" cy="5529175"/>
+            <a:off x="1181178" y="1189176"/>
+            <a:ext cx="9829644" cy="5529175"/>
           </a:xfrm>
           <a:prstGeom prst="rect">
             <a:avLst/>

--- a/Whiteboard design session/WDS trainer presentation - Cloud-native applications.pptx
+++ b/Whiteboard design session/WDS trainer presentation - Cloud-native applications.pptx
@@ -221,7 +221,7 @@
           <a:p>
             <a:fld id="{52A13B17-C506-4D51-BB37-16B365906619}" type="datetimeFigureOut">
               <a:rPr lang="en-US" smtClean="0"/>
-              <a:t>8/23/20</a:t>
+              <a:t>8/26/20</a:t>
             </a:fld>
             <a:endParaRPr lang="en-US" dirty="0"/>
           </a:p>
@@ -2168,7 +2168,7 @@
                   <a:prstClr val="black"/>
                 </a:solidFill>
               </a:rPr>
-              <a:t>8/23/20 8:45 PM</a:t>
+              <a:t>8/26/20 3:07 AM</a:t>
             </a:fld>
             <a:endParaRPr lang="en-US" dirty="0">
               <a:solidFill>
@@ -15111,7 +15111,7 @@
                 </a:solidFill>
                 <a:latin typeface="+mj-lt"/>
               </a:rPr>
-              <a:t>Look at Azure DevOps as the CICD tool of choice</a:t>
+              <a:t>Look at GitHub Actions as the CICD tool of choice</a:t>
             </a:r>
           </a:p>
           <a:p>
